--- a/Квиз.pptx
+++ b/Квиз.pptx
@@ -4610,51 +4610,12 @@
           </a:p>
         </p:txBody>
       </p:sp>
-      <p:sp>
-        <p:nvSpPr>
-          <p:cNvPr id="4" name="TextBox 3">
-            <a:extLst>
-              <a:ext uri="{FF2B5EF4-FFF2-40B4-BE49-F238E27FC236}">
-                <a16:creationId xmlns:a16="http://schemas.microsoft.com/office/drawing/2014/main" id="{4934DDBB-5898-B97E-3A2D-89189A5A51B4}"/>
-              </a:ext>
-            </a:extLst>
-          </p:cNvPr>
-          <p:cNvSpPr txBox="1"/>
-          <p:nvPr/>
-        </p:nvSpPr>
-        <p:spPr>
-          <a:xfrm>
-            <a:off x="450438" y="2233910"/>
-            <a:ext cx="3756791" cy="1754326"/>
-          </a:xfrm>
-          <a:prstGeom prst="rect">
-            <a:avLst/>
-          </a:prstGeom>
-          <a:noFill/>
-        </p:spPr>
-        <p:txBody>
-          <a:bodyPr wrap="square" rtlCol="0">
-            <a:spAutoFit/>
-          </a:bodyPr>
-          <a:lstStyle/>
-          <a:p>
-            <a:r>
-              <a:rPr lang="ru-RU" sz="5400" b="1" dirty="0">
-                <a:solidFill>
-                  <a:schemeClr val="bg1"/>
-                </a:solidFill>
-              </a:rPr>
-              <a:t>Выбор категории</a:t>
-            </a:r>
-          </a:p>
-        </p:txBody>
-      </p:sp>
       <p:pic>
         <p:nvPicPr>
-          <p:cNvPr id="6" name="Рисунок 5" descr="Изображение выглядит как текст, снимок экрана, Шрифт, число&#10;&#10;Контент, сгенерированный ИИ, может содержать ошибки.">
-            <a:extLst>
-              <a:ext uri="{FF2B5EF4-FFF2-40B4-BE49-F238E27FC236}">
-                <a16:creationId xmlns:a16="http://schemas.microsoft.com/office/drawing/2014/main" id="{CB8503AA-01B1-1B1F-F1DB-283AADFE98AB}"/>
+          <p:cNvPr id="3" name="Рисунок 2" descr="Изображение выглядит как текст, снимок экрана, Шрифт, число&#10;&#10;Контент, сгенерированный ИИ, может содержать ошибки.">
+            <a:extLst>
+              <a:ext uri="{FF2B5EF4-FFF2-40B4-BE49-F238E27FC236}">
+                <a16:creationId xmlns:a16="http://schemas.microsoft.com/office/drawing/2014/main" id="{9FC9230E-5A44-EB90-3E65-26C455F05C11}"/>
               </a:ext>
             </a:extLst>
           </p:cNvPr>
@@ -4677,14 +4638,53 @@
         </p:blipFill>
         <p:spPr>
           <a:xfrm>
-            <a:off x="4665279" y="1871881"/>
-            <a:ext cx="6781800" cy="3127164"/>
+            <a:off x="4645923" y="1982452"/>
+            <a:ext cx="6836708" cy="3127161"/>
           </a:xfrm>
           <a:prstGeom prst="rect">
             <a:avLst/>
           </a:prstGeom>
         </p:spPr>
       </p:pic>
+      <p:sp>
+        <p:nvSpPr>
+          <p:cNvPr id="4" name="TextBox 3">
+            <a:extLst>
+              <a:ext uri="{FF2B5EF4-FFF2-40B4-BE49-F238E27FC236}">
+                <a16:creationId xmlns:a16="http://schemas.microsoft.com/office/drawing/2014/main" id="{4934DDBB-5898-B97E-3A2D-89189A5A51B4}"/>
+              </a:ext>
+            </a:extLst>
+          </p:cNvPr>
+          <p:cNvSpPr txBox="1"/>
+          <p:nvPr/>
+        </p:nvSpPr>
+        <p:spPr>
+          <a:xfrm>
+            <a:off x="450438" y="2233910"/>
+            <a:ext cx="3756791" cy="1754326"/>
+          </a:xfrm>
+          <a:prstGeom prst="rect">
+            <a:avLst/>
+          </a:prstGeom>
+          <a:noFill/>
+        </p:spPr>
+        <p:txBody>
+          <a:bodyPr wrap="square" rtlCol="0">
+            <a:spAutoFit/>
+          </a:bodyPr>
+          <a:lstStyle/>
+          <a:p>
+            <a:r>
+              <a:rPr lang="ru-RU" sz="5400" b="1" dirty="0">
+                <a:solidFill>
+                  <a:schemeClr val="bg1"/>
+                </a:solidFill>
+              </a:rPr>
+              <a:t>Выбор категории</a:t>
+            </a:r>
+          </a:p>
+        </p:txBody>
+      </p:sp>
       <p:cxnSp>
         <p:nvCxnSpPr>
           <p:cNvPr id="18" name="Прямая соединительная линия 17">
@@ -4701,7 +4701,7 @@
         </p:nvCxnSpPr>
         <p:spPr>
           <a:xfrm>
-            <a:off x="4937617" y="3762375"/>
+            <a:off x="4937617" y="3900398"/>
             <a:ext cx="6253320" cy="0"/>
           </a:xfrm>
           <a:prstGeom prst="line">
@@ -4742,7 +4742,7 @@
         </p:nvSpPr>
         <p:spPr>
           <a:xfrm>
-            <a:off x="5443043" y="1662921"/>
+            <a:off x="5389540" y="1745660"/>
             <a:ext cx="2262681" cy="2019289"/>
           </a:xfrm>
           <a:prstGeom prst="arc">
@@ -4793,7 +4793,7 @@
         </p:nvCxnSpPr>
         <p:spPr>
           <a:xfrm>
-            <a:off x="7705724" y="2577315"/>
+            <a:off x="7652221" y="2755304"/>
             <a:ext cx="0" cy="190499"/>
           </a:xfrm>
           <a:prstGeom prst="straightConnector1">
